--- a/2 презентация для процентовки.pptx
+++ b/2 презентация для процентовки.pptx
@@ -217,7 +217,7 @@
           <a:p>
             <a:fld id="{2EA6139F-D867-4C80-8632-59F6AB3F7579}" type="datetimeFigureOut">
               <a:rPr lang="ru-RU" smtClean="0"/>
-              <a:t>08.05.2024</a:t>
+              <a:t>12.06.2024</a:t>
             </a:fld>
             <a:endParaRPr lang="ru-RU"/>
           </a:p>
@@ -1821,7 +1821,7 @@
             <a:fld id="{B61BEF0D-F0BB-DE4B-95CE-6DB70DBA9567}" type="datetimeFigureOut">
               <a:rPr lang="en-US" dirty="0"/>
               <a:pPr/>
-              <a:t>5/8/2024</a:t>
+              <a:t>6/12/2024</a:t>
             </a:fld>
             <a:endParaRPr lang="en-US" dirty="0"/>
           </a:p>
@@ -2069,7 +2069,7 @@
             <a:fld id="{B61BEF0D-F0BB-DE4B-95CE-6DB70DBA9567}" type="datetimeFigureOut">
               <a:rPr lang="en-US" dirty="0"/>
               <a:pPr/>
-              <a:t>5/8/2024</a:t>
+              <a:t>6/12/2024</a:t>
             </a:fld>
             <a:endParaRPr lang="en-US" dirty="0"/>
           </a:p>
@@ -2380,7 +2380,7 @@
             <a:fld id="{B61BEF0D-F0BB-DE4B-95CE-6DB70DBA9567}" type="datetimeFigureOut">
               <a:rPr lang="en-US" dirty="0"/>
               <a:pPr/>
-              <a:t>5/8/2024</a:t>
+              <a:t>6/12/2024</a:t>
             </a:fld>
             <a:endParaRPr lang="en-US" dirty="0"/>
           </a:p>
@@ -2710,7 +2710,7 @@
             <a:fld id="{B61BEF0D-F0BB-DE4B-95CE-6DB70DBA9567}" type="datetimeFigureOut">
               <a:rPr lang="en-US" dirty="0"/>
               <a:pPr/>
-              <a:t>5/8/2024</a:t>
+              <a:t>6/12/2024</a:t>
             </a:fld>
             <a:endParaRPr lang="en-US" dirty="0"/>
           </a:p>
@@ -3021,7 +3021,7 @@
             <a:fld id="{B61BEF0D-F0BB-DE4B-95CE-6DB70DBA9567}" type="datetimeFigureOut">
               <a:rPr lang="en-US" dirty="0"/>
               <a:pPr/>
-              <a:t>5/8/2024</a:t>
+              <a:t>6/12/2024</a:t>
             </a:fld>
             <a:endParaRPr lang="en-US" dirty="0"/>
           </a:p>
@@ -3411,7 +3411,7 @@
             <a:fld id="{B61BEF0D-F0BB-DE4B-95CE-6DB70DBA9567}" type="datetimeFigureOut">
               <a:rPr lang="en-US" dirty="0"/>
               <a:pPr/>
-              <a:t>5/8/2024</a:t>
+              <a:t>6/12/2024</a:t>
             </a:fld>
             <a:endParaRPr lang="en-US" dirty="0"/>
           </a:p>
@@ -3577,7 +3577,7 @@
           <a:p>
             <a:fld id="{55C6B4A9-1611-4792-9094-5F34BCA07E0B}" type="datetimeFigureOut">
               <a:rPr lang="en-US" dirty="0"/>
-              <a:t>5/8/2024</a:t>
+              <a:t>6/12/2024</a:t>
             </a:fld>
             <a:endParaRPr lang="en-US" dirty="0"/>
           </a:p>
@@ -3753,7 +3753,7 @@
             <a:fld id="{B61BEF0D-F0BB-DE4B-95CE-6DB70DBA9567}" type="datetimeFigureOut">
               <a:rPr lang="en-US" dirty="0"/>
               <a:pPr/>
-              <a:t>5/8/2024</a:t>
+              <a:t>6/12/2024</a:t>
             </a:fld>
             <a:endParaRPr lang="en-US" dirty="0"/>
           </a:p>
@@ -3919,7 +3919,7 @@
           <a:p>
             <a:fld id="{42A54C80-263E-416B-A8E0-580EDEADCBDC}" type="datetimeFigureOut">
               <a:rPr lang="en-US" dirty="0"/>
-              <a:t>5/8/2024</a:t>
+              <a:t>6/12/2024</a:t>
             </a:fld>
             <a:endParaRPr lang="en-US" dirty="0"/>
           </a:p>
@@ -4162,7 +4162,7 @@
             <a:fld id="{B61BEF0D-F0BB-DE4B-95CE-6DB70DBA9567}" type="datetimeFigureOut">
               <a:rPr lang="en-US" dirty="0"/>
               <a:pPr/>
-              <a:t>5/8/2024</a:t>
+              <a:t>6/12/2024</a:t>
             </a:fld>
             <a:endParaRPr lang="en-US" dirty="0"/>
           </a:p>
@@ -4390,7 +4390,7 @@
           <a:p>
             <a:fld id="{42A54C80-263E-416B-A8E0-580EDEADCBDC}" type="datetimeFigureOut">
               <a:rPr lang="en-US" dirty="0"/>
-              <a:t>5/8/2024</a:t>
+              <a:t>6/12/2024</a:t>
             </a:fld>
             <a:endParaRPr lang="en-US" dirty="0"/>
           </a:p>
@@ -4760,7 +4760,7 @@
             <a:fld id="{B61BEF0D-F0BB-DE4B-95CE-6DB70DBA9567}" type="datetimeFigureOut">
               <a:rPr lang="en-US" dirty="0"/>
               <a:pPr/>
-              <a:t>5/8/2024</a:t>
+              <a:t>6/12/2024</a:t>
             </a:fld>
             <a:endParaRPr lang="en-US" dirty="0"/>
           </a:p>
@@ -4880,7 +4880,7 @@
             <a:fld id="{B61BEF0D-F0BB-DE4B-95CE-6DB70DBA9567}" type="datetimeFigureOut">
               <a:rPr lang="en-US" dirty="0"/>
               <a:pPr/>
-              <a:t>5/8/2024</a:t>
+              <a:t>6/12/2024</a:t>
             </a:fld>
             <a:endParaRPr lang="en-US" dirty="0"/>
           </a:p>
@@ -4972,7 +4972,7 @@
             <a:fld id="{B61BEF0D-F0BB-DE4B-95CE-6DB70DBA9567}" type="datetimeFigureOut">
               <a:rPr lang="en-US" dirty="0"/>
               <a:pPr/>
-              <a:t>5/8/2024</a:t>
+              <a:t>6/12/2024</a:t>
             </a:fld>
             <a:endParaRPr lang="en-US" dirty="0"/>
           </a:p>
@@ -5223,7 +5223,7 @@
           <a:p>
             <a:fld id="{42A54C80-263E-416B-A8E0-580EDEADCBDC}" type="datetimeFigureOut">
               <a:rPr lang="en-US" dirty="0"/>
-              <a:t>5/8/2024</a:t>
+              <a:t>6/12/2024</a:t>
             </a:fld>
             <a:endParaRPr lang="en-US" dirty="0"/>
           </a:p>
@@ -5525,7 +5525,7 @@
             <a:fld id="{B61BEF0D-F0BB-DE4B-95CE-6DB70DBA9567}" type="datetimeFigureOut">
               <a:rPr lang="en-US" dirty="0"/>
               <a:pPr/>
-              <a:t>5/8/2024</a:t>
+              <a:t>6/12/2024</a:t>
             </a:fld>
             <a:endParaRPr lang="en-US" dirty="0"/>
           </a:p>
@@ -6223,7 +6223,7 @@
             <a:fld id="{B61BEF0D-F0BB-DE4B-95CE-6DB70DBA9567}" type="datetimeFigureOut">
               <a:rPr lang="en-US" dirty="0"/>
               <a:pPr/>
-              <a:t>5/8/2024</a:t>
+              <a:t>6/12/2024</a:t>
             </a:fld>
             <a:endParaRPr lang="en-US" dirty="0"/>
           </a:p>
@@ -9221,27 +9221,14 @@
           <a:p>
             <a:pPr lvl="0"/>
             <a:r>
-              <a:rPr lang="ru-RU" sz="2400" dirty="0">
+              <a:rPr lang="ky-KG" sz="2400" dirty="0" smtClean="0">
                 <a:solidFill>
                   <a:schemeClr val="tx1"/>
                 </a:solidFill>
                 <a:latin typeface="Times New Roman" panose="02020603050405020304" pitchFamily="18" charset="0"/>
                 <a:cs typeface="Times New Roman" panose="02020603050405020304" pitchFamily="18" charset="0"/>
               </a:rPr>
-              <a:t>Скачивание отчетов</a:t>
-            </a:r>
-          </a:p>
-          <a:p>
-            <a:pPr lvl="0"/>
-            <a:r>
-              <a:rPr lang="ru-RU" sz="2400" dirty="0">
-                <a:solidFill>
-                  <a:schemeClr val="tx1"/>
-                </a:solidFill>
-                <a:latin typeface="Times New Roman" panose="02020603050405020304" pitchFamily="18" charset="0"/>
-                <a:cs typeface="Times New Roman" panose="02020603050405020304" pitchFamily="18" charset="0"/>
-              </a:rPr>
-              <a:t>Введение успеваемости </a:t>
+              <a:t>Введение </a:t>
             </a:r>
             <a:r>
               <a:rPr lang="ky-KG" sz="2400" dirty="0">
@@ -9251,27 +9238,7 @@
                 <a:latin typeface="Times New Roman" panose="02020603050405020304" pitchFamily="18" charset="0"/>
                 <a:cs typeface="Times New Roman" panose="02020603050405020304" pitchFamily="18" charset="0"/>
               </a:rPr>
-              <a:t>курсантов</a:t>
-            </a:r>
-            <a:endParaRPr lang="ru-RU" sz="2400" dirty="0">
-              <a:solidFill>
-                <a:schemeClr val="tx1"/>
-              </a:solidFill>
-              <a:latin typeface="Times New Roman" panose="02020603050405020304" pitchFamily="18" charset="0"/>
-              <a:cs typeface="Times New Roman" panose="02020603050405020304" pitchFamily="18" charset="0"/>
-            </a:endParaRPr>
-          </a:p>
-          <a:p>
-            <a:pPr lvl="0"/>
-            <a:r>
-              <a:rPr lang="ky-KG" sz="2400" dirty="0">
-                <a:solidFill>
-                  <a:schemeClr val="tx1"/>
-                </a:solidFill>
-                <a:latin typeface="Times New Roman" panose="02020603050405020304" pitchFamily="18" charset="0"/>
-                <a:cs typeface="Times New Roman" panose="02020603050405020304" pitchFamily="18" charset="0"/>
-              </a:rPr>
-              <a:t>Введение расписания занятий</a:t>
+              <a:t>расписания занятий</a:t>
             </a:r>
             <a:endParaRPr lang="ru-RU" sz="2400" dirty="0">
               <a:solidFill>
